--- a/00 teoría/02 Introducción a Typescript.pptx
+++ b/00 teoría/02 Introducción a Typescript.pptx
@@ -2201,7 +2201,7 @@
           </a:ln>
           <a:extLst>
             <a:ext uri="{C572A759-6A51-4108-AA02-DFA0A04FC94B}">
-              <ma14:wrappingTextBoxFlag xmlns:ma14="http://schemas.microsoft.com/office/mac/drawingml/2011/main" xmlns:a14="http://schemas.microsoft.com/office/drawing/2010/main" xmlns:m="http://schemas.openxmlformats.org/officeDocument/2006/math" xmlns="" val="1"/>
+              <ma14:wrappingTextBoxFlag xmlns="" xmlns:m="http://schemas.openxmlformats.org/officeDocument/2006/math" xmlns:a14="http://schemas.microsoft.com/office/drawing/2010/main" xmlns:ma14="http://schemas.microsoft.com/office/mac/drawingml/2011/main" val="1"/>
             </a:ext>
           </a:extLst>
         </p:spPr>
@@ -2240,7 +2240,7 @@
           </a:ln>
           <a:extLst>
             <a:ext uri="{C572A759-6A51-4108-AA02-DFA0A04FC94B}">
-              <ma14:wrappingTextBoxFlag xmlns:ma14="http://schemas.microsoft.com/office/mac/drawingml/2011/main" xmlns:a14="http://schemas.microsoft.com/office/drawing/2010/main" xmlns:m="http://schemas.openxmlformats.org/officeDocument/2006/math" xmlns="" val="1"/>
+              <ma14:wrappingTextBoxFlag xmlns="" xmlns:m="http://schemas.openxmlformats.org/officeDocument/2006/math" xmlns:a14="http://schemas.microsoft.com/office/drawing/2010/main" xmlns:ma14="http://schemas.microsoft.com/office/mac/drawingml/2011/main" val="1"/>
             </a:ext>
           </a:extLst>
         </p:spPr>
@@ -3198,7 +3198,7 @@
           </a:ln>
           <a:extLst>
             <a:ext uri="{C572A759-6A51-4108-AA02-DFA0A04FC94B}">
-              <ma14:wrappingTextBoxFlag xmlns:ma14="http://schemas.microsoft.com/office/mac/drawingml/2011/main" xmlns:a14="http://schemas.microsoft.com/office/drawing/2010/main" xmlns:m="http://schemas.openxmlformats.org/officeDocument/2006/math" xmlns="" val="1"/>
+              <ma14:wrappingTextBoxFlag xmlns="" xmlns:m="http://schemas.openxmlformats.org/officeDocument/2006/math" xmlns:a14="http://schemas.microsoft.com/office/drawing/2010/main" xmlns:ma14="http://schemas.microsoft.com/office/mac/drawingml/2011/main" val="1"/>
             </a:ext>
           </a:extLst>
         </p:spPr>
@@ -3250,7 +3250,7 @@
           </a:ln>
           <a:extLst>
             <a:ext uri="{C572A759-6A51-4108-AA02-DFA0A04FC94B}">
-              <ma14:wrappingTextBoxFlag xmlns:ma14="http://schemas.microsoft.com/office/mac/drawingml/2011/main" xmlns:a14="http://schemas.microsoft.com/office/drawing/2010/main" xmlns:m="http://schemas.openxmlformats.org/officeDocument/2006/math" xmlns="" val="1"/>
+              <ma14:wrappingTextBoxFlag xmlns="" xmlns:m="http://schemas.openxmlformats.org/officeDocument/2006/math" xmlns:a14="http://schemas.microsoft.com/office/drawing/2010/main" xmlns:ma14="http://schemas.microsoft.com/office/mac/drawingml/2011/main" val="1"/>
             </a:ext>
           </a:extLst>
         </p:spPr>
@@ -3688,7 +3688,7 @@
           </a:ln>
           <a:extLst>
             <a:ext uri="{C572A759-6A51-4108-AA02-DFA0A04FC94B}">
-              <ma14:wrappingTextBoxFlag xmlns="" xmlns:m="http://schemas.openxmlformats.org/officeDocument/2006/math" xmlns:a14="http://schemas.microsoft.com/office/drawing/2010/main" xmlns:ma14="http://schemas.microsoft.com/office/mac/drawingml/2011/main" val="1"/>
+              <ma14:wrappingTextBoxFlag xmlns:ma14="http://schemas.microsoft.com/office/mac/drawingml/2011/main" xmlns:a14="http://schemas.microsoft.com/office/drawing/2010/main" xmlns:m="http://schemas.openxmlformats.org/officeDocument/2006/math" xmlns="" val="1"/>
             </a:ext>
           </a:extLst>
         </p:spPr>
@@ -3769,7 +3769,7 @@
           </a:ln>
           <a:extLst>
             <a:ext uri="{C572A759-6A51-4108-AA02-DFA0A04FC94B}">
-              <ma14:wrappingTextBoxFlag xmlns="" xmlns:m="http://schemas.openxmlformats.org/officeDocument/2006/math" xmlns:a14="http://schemas.microsoft.com/office/drawing/2010/main" xmlns:ma14="http://schemas.microsoft.com/office/mac/drawingml/2011/main" val="1"/>
+              <ma14:wrappingTextBoxFlag xmlns:ma14="http://schemas.microsoft.com/office/mac/drawingml/2011/main" xmlns:a14="http://schemas.microsoft.com/office/drawing/2010/main" xmlns:m="http://schemas.openxmlformats.org/officeDocument/2006/math" xmlns="" val="1"/>
             </a:ext>
           </a:extLst>
         </p:spPr>
@@ -3837,7 +3837,7 @@
           </a:ln>
           <a:extLst>
             <a:ext uri="{C572A759-6A51-4108-AA02-DFA0A04FC94B}">
-              <ma14:wrappingTextBoxFlag xmlns="" xmlns:m="http://schemas.openxmlformats.org/officeDocument/2006/math" xmlns:a14="http://schemas.microsoft.com/office/drawing/2010/main" xmlns:ma14="http://schemas.microsoft.com/office/mac/drawingml/2011/main" val="1"/>
+              <ma14:wrappingTextBoxFlag xmlns:ma14="http://schemas.microsoft.com/office/mac/drawingml/2011/main" xmlns:a14="http://schemas.microsoft.com/office/drawing/2010/main" xmlns:m="http://schemas.openxmlformats.org/officeDocument/2006/math" xmlns="" val="1"/>
             </a:ext>
           </a:extLst>
         </p:spPr>
@@ -3962,7 +3962,7 @@
           </a:ln>
           <a:extLst>
             <a:ext uri="{C572A759-6A51-4108-AA02-DFA0A04FC94B}">
-              <ma14:wrappingTextBoxFlag xmlns="" xmlns:m="http://schemas.openxmlformats.org/officeDocument/2006/math" xmlns:a14="http://schemas.microsoft.com/office/drawing/2010/main" xmlns:ma14="http://schemas.microsoft.com/office/mac/drawingml/2011/main" val="1"/>
+              <ma14:wrappingTextBoxFlag xmlns:ma14="http://schemas.microsoft.com/office/mac/drawingml/2011/main" xmlns:a14="http://schemas.microsoft.com/office/drawing/2010/main" xmlns:m="http://schemas.openxmlformats.org/officeDocument/2006/math" xmlns="" val="1"/>
             </a:ext>
           </a:extLst>
         </p:spPr>
@@ -4023,7 +4023,7 @@
           </a:ln>
           <a:extLst>
             <a:ext uri="{C572A759-6A51-4108-AA02-DFA0A04FC94B}">
-              <ma14:wrappingTextBoxFlag xmlns="" xmlns:m="http://schemas.openxmlformats.org/officeDocument/2006/math" xmlns:a14="http://schemas.microsoft.com/office/drawing/2010/main" xmlns:ma14="http://schemas.microsoft.com/office/mac/drawingml/2011/main" val="1"/>
+              <ma14:wrappingTextBoxFlag xmlns:ma14="http://schemas.microsoft.com/office/mac/drawingml/2011/main" xmlns:a14="http://schemas.microsoft.com/office/drawing/2010/main" xmlns:m="http://schemas.openxmlformats.org/officeDocument/2006/math" xmlns="" val="1"/>
             </a:ext>
           </a:extLst>
         </p:spPr>
@@ -4125,7 +4125,7 @@
           </a:ln>
           <a:extLst>
             <a:ext uri="{C572A759-6A51-4108-AA02-DFA0A04FC94B}">
-              <ma14:wrappingTextBoxFlag xmlns="" xmlns:m="http://schemas.openxmlformats.org/officeDocument/2006/math" xmlns:a14="http://schemas.microsoft.com/office/drawing/2010/main" xmlns:ma14="http://schemas.microsoft.com/office/mac/drawingml/2011/main" val="1"/>
+              <ma14:wrappingTextBoxFlag xmlns:ma14="http://schemas.microsoft.com/office/mac/drawingml/2011/main" xmlns:a14="http://schemas.microsoft.com/office/drawing/2010/main" xmlns:m="http://schemas.openxmlformats.org/officeDocument/2006/math" xmlns="" val="1"/>
             </a:ext>
           </a:extLst>
         </p:spPr>
@@ -4717,7 +4717,7 @@
           </a:ln>
           <a:extLst>
             <a:ext uri="{C572A759-6A51-4108-AA02-DFA0A04FC94B}">
-              <ma14:wrappingTextBoxFlag xmlns:ma14="http://schemas.microsoft.com/office/mac/drawingml/2011/main" xmlns:a14="http://schemas.microsoft.com/office/drawing/2010/main" xmlns:m="http://schemas.openxmlformats.org/officeDocument/2006/math" xmlns="" val="1"/>
+              <ma14:wrappingTextBoxFlag xmlns="" xmlns:m="http://schemas.openxmlformats.org/officeDocument/2006/math" xmlns:a14="http://schemas.microsoft.com/office/drawing/2010/main" xmlns:ma14="http://schemas.microsoft.com/office/mac/drawingml/2011/main" val="1"/>
             </a:ext>
           </a:extLst>
         </p:spPr>
@@ -4759,7 +4759,7 @@
         </p:nvSpPr>
         <p:spPr>
           <a:xfrm>
-            <a:off x="1044098" y="1022966"/>
+            <a:off x="1040614" y="1061447"/>
             <a:ext cx="3726339" cy="369330"/>
           </a:xfrm>
           <a:prstGeom prst="rect">
@@ -4775,7 +4775,7 @@
           <a:effectLst/>
           <a:extLst>
             <a:ext uri="{C572A759-6A51-4108-AA02-DFA0A04FC94B}">
-              <ma14:wrappingTextBoxFlag xmlns="" xmlns:m="http://schemas.openxmlformats.org/officeDocument/2006/math" xmlns:a14="http://schemas.microsoft.com/office/drawing/2010/main" xmlns:ma14="http://schemas.microsoft.com/office/mac/drawingml/2011/main" val="1"/>
+              <ma14:wrappingTextBoxFlag xmlns:ma14="http://schemas.microsoft.com/office/mac/drawingml/2011/main" xmlns:a14="http://schemas.microsoft.com/office/drawing/2010/main" xmlns:m="http://schemas.openxmlformats.org/officeDocument/2006/math" xmlns="" val="1"/>
             </a:ext>
           </a:extLst>
         </p:spPr>
@@ -4818,7 +4818,7 @@
         </p:nvSpPr>
         <p:spPr>
           <a:xfrm>
-            <a:off x="1040614" y="1525891"/>
+            <a:off x="1040614" y="2068777"/>
             <a:ext cx="2980942" cy="369330"/>
           </a:xfrm>
           <a:prstGeom prst="rect">
@@ -4834,7 +4834,7 @@
           <a:effectLst/>
           <a:extLst>
             <a:ext uri="{C572A759-6A51-4108-AA02-DFA0A04FC94B}">
-              <ma14:wrappingTextBoxFlag xmlns="" xmlns:m="http://schemas.openxmlformats.org/officeDocument/2006/math" xmlns:a14="http://schemas.microsoft.com/office/drawing/2010/main" xmlns:ma14="http://schemas.microsoft.com/office/mac/drawingml/2011/main" val="1"/>
+              <ma14:wrappingTextBoxFlag xmlns:ma14="http://schemas.microsoft.com/office/mac/drawingml/2011/main" xmlns:a14="http://schemas.microsoft.com/office/drawing/2010/main" xmlns:m="http://schemas.openxmlformats.org/officeDocument/2006/math" xmlns="" val="1"/>
             </a:ext>
           </a:extLst>
         </p:spPr>
@@ -4881,7 +4881,7 @@
         </p:nvSpPr>
         <p:spPr>
           <a:xfrm>
-            <a:off x="1040614" y="2028816"/>
+            <a:off x="1040614" y="2571702"/>
             <a:ext cx="5205911" cy="369330"/>
           </a:xfrm>
           <a:prstGeom prst="rect">
@@ -4897,7 +4897,7 @@
           <a:effectLst/>
           <a:extLst>
             <a:ext uri="{C572A759-6A51-4108-AA02-DFA0A04FC94B}">
-              <ma14:wrappingTextBoxFlag xmlns="" xmlns:m="http://schemas.openxmlformats.org/officeDocument/2006/math" xmlns:a14="http://schemas.microsoft.com/office/drawing/2010/main" xmlns:ma14="http://schemas.microsoft.com/office/mac/drawingml/2011/main" val="1"/>
+              <ma14:wrappingTextBoxFlag xmlns:ma14="http://schemas.microsoft.com/office/mac/drawingml/2011/main" xmlns:a14="http://schemas.microsoft.com/office/drawing/2010/main" xmlns:m="http://schemas.openxmlformats.org/officeDocument/2006/math" xmlns="" val="1"/>
             </a:ext>
           </a:extLst>
         </p:spPr>
@@ -4957,7 +4957,7 @@
         </p:nvSpPr>
         <p:spPr>
           <a:xfrm>
-            <a:off x="1040614" y="2537845"/>
+            <a:off x="1040614" y="3080731"/>
             <a:ext cx="2702020" cy="369330"/>
           </a:xfrm>
           <a:prstGeom prst="rect">
@@ -4973,7 +4973,7 @@
           <a:effectLst/>
           <a:extLst>
             <a:ext uri="{C572A759-6A51-4108-AA02-DFA0A04FC94B}">
-              <ma14:wrappingTextBoxFlag xmlns="" xmlns:m="http://schemas.openxmlformats.org/officeDocument/2006/math" xmlns:a14="http://schemas.microsoft.com/office/drawing/2010/main" xmlns:ma14="http://schemas.microsoft.com/office/mac/drawingml/2011/main" val="1"/>
+              <ma14:wrappingTextBoxFlag xmlns:ma14="http://schemas.microsoft.com/office/mac/drawingml/2011/main" xmlns:a14="http://schemas.microsoft.com/office/drawing/2010/main" xmlns:m="http://schemas.openxmlformats.org/officeDocument/2006/math" xmlns="" val="1"/>
             </a:ext>
           </a:extLst>
         </p:spPr>
@@ -5016,7 +5016,7 @@
         </p:nvSpPr>
         <p:spPr>
           <a:xfrm>
-            <a:off x="1040614" y="3046874"/>
+            <a:off x="1040614" y="3589760"/>
             <a:ext cx="5462391" cy="369330"/>
           </a:xfrm>
           <a:prstGeom prst="rect">
@@ -5032,7 +5032,7 @@
           <a:effectLst/>
           <a:extLst>
             <a:ext uri="{C572A759-6A51-4108-AA02-DFA0A04FC94B}">
-              <ma14:wrappingTextBoxFlag xmlns="" xmlns:m="http://schemas.openxmlformats.org/officeDocument/2006/math" xmlns:a14="http://schemas.microsoft.com/office/drawing/2010/main" xmlns:ma14="http://schemas.microsoft.com/office/mac/drawingml/2011/main" val="1"/>
+              <ma14:wrappingTextBoxFlag xmlns:ma14="http://schemas.microsoft.com/office/mac/drawingml/2011/main" xmlns:a14="http://schemas.microsoft.com/office/drawing/2010/main" xmlns:m="http://schemas.openxmlformats.org/officeDocument/2006/math" xmlns="" val="1"/>
             </a:ext>
           </a:extLst>
         </p:spPr>
@@ -5069,6 +5069,73 @@
             <a:r>
               <a:rPr lang="es-ES_tradnl" sz="1800" dirty="0" err="1"/>
               <a:t>transform-class-properties</a:t>
+            </a:r>
+            <a:r>
+              <a:rPr lang="es-ES_tradnl" sz="1800" dirty="0"/>
+              <a:t>)</a:t>
+            </a:r>
+          </a:p>
+        </p:txBody>
+      </p:sp>
+      <p:sp>
+        <p:nvSpPr>
+          <p:cNvPr id="10" name="Rectángulo 16">
+            <a:extLst>
+              <a:ext uri="{FF2B5EF4-FFF2-40B4-BE49-F238E27FC236}">
+                <a16:creationId xmlns:a16="http://schemas.microsoft.com/office/drawing/2014/main" id="{98C62F33-09B1-42B4-9430-F2057E493E49}"/>
+              </a:ext>
+            </a:extLst>
+          </p:cNvPr>
+          <p:cNvSpPr/>
+          <p:nvPr/>
+        </p:nvSpPr>
+        <p:spPr>
+          <a:xfrm>
+            <a:off x="1040614" y="1564865"/>
+            <a:ext cx="6257480" cy="369330"/>
+          </a:xfrm>
+          <a:prstGeom prst="rect">
+            <a:avLst/>
+          </a:prstGeom>
+          <a:solidFill>
+            <a:srgbClr val="A6A6A6"/>
+          </a:solidFill>
+          <a:ln w="12700" cap="flat">
+            <a:noFill/>
+            <a:miter lim="400000"/>
+          </a:ln>
+          <a:effectLst/>
+          <a:extLst>
+            <a:ext uri="{C572A759-6A51-4108-AA02-DFA0A04FC94B}">
+              <ma14:wrappingTextBoxFlag xmlns:ma14="http://schemas.microsoft.com/office/mac/drawingml/2011/main" xmlns:a14="http://schemas.microsoft.com/office/drawing/2010/main" xmlns:m="http://schemas.openxmlformats.org/officeDocument/2006/math" xmlns="" val="1"/>
+            </a:ext>
+          </a:extLst>
+        </p:spPr>
+        <p:txBody>
+          <a:bodyPr wrap="none" lIns="45719" tIns="45719" rIns="45719" bIns="45719" numCol="1" anchor="t">
+            <a:spAutoFit/>
+          </a:bodyPr>
+          <a:lstStyle>
+            <a:lvl1pPr>
+              <a:defRPr sz="1200">
+                <a:solidFill>
+                  <a:srgbClr val="FFFFFF"/>
+                </a:solidFill>
+                <a:latin typeface="Open Sans"/>
+                <a:ea typeface="Open Sans"/>
+                <a:cs typeface="Open Sans"/>
+                <a:sym typeface="Open Sans"/>
+              </a:defRPr>
+            </a:lvl1pPr>
+          </a:lstStyle>
+          <a:p>
+            <a:r>
+              <a:rPr lang="es-ES_tradnl" sz="1800" dirty="0"/>
+              <a:t>Errores en tiempo de desarrollo (integración con </a:t>
+            </a:r>
+            <a:r>
+              <a:rPr lang="es-ES_tradnl" sz="1800" dirty="0" err="1"/>
+              <a:t>VSCode</a:t>
             </a:r>
             <a:r>
               <a:rPr lang="es-ES_tradnl" sz="1800" dirty="0"/>
@@ -5340,7 +5407,7 @@
           <a:effectLst/>
           <a:extLst>
             <a:ext uri="{C572A759-6A51-4108-AA02-DFA0A04FC94B}">
-              <ma14:wrappingTextBoxFlag xmlns="" xmlns:m="http://schemas.openxmlformats.org/officeDocument/2006/math" xmlns:a14="http://schemas.microsoft.com/office/drawing/2010/main" xmlns:ma14="http://schemas.microsoft.com/office/mac/drawingml/2011/main" val="1"/>
+              <ma14:wrappingTextBoxFlag xmlns:ma14="http://schemas.microsoft.com/office/mac/drawingml/2011/main" xmlns:a14="http://schemas.microsoft.com/office/drawing/2010/main" xmlns:m="http://schemas.openxmlformats.org/officeDocument/2006/math" xmlns="" val="1"/>
             </a:ext>
           </a:extLst>
         </p:spPr>
@@ -5403,7 +5470,7 @@
           <a:effectLst/>
           <a:extLst>
             <a:ext uri="{C572A759-6A51-4108-AA02-DFA0A04FC94B}">
-              <ma14:wrappingTextBoxFlag xmlns="" xmlns:m="http://schemas.openxmlformats.org/officeDocument/2006/math" xmlns:a14="http://schemas.microsoft.com/office/drawing/2010/main" xmlns:ma14="http://schemas.microsoft.com/office/mac/drawingml/2011/main" val="1"/>
+              <ma14:wrappingTextBoxFlag xmlns:ma14="http://schemas.microsoft.com/office/mac/drawingml/2011/main" xmlns:a14="http://schemas.microsoft.com/office/drawing/2010/main" xmlns:m="http://schemas.openxmlformats.org/officeDocument/2006/math" xmlns="" val="1"/>
             </a:ext>
           </a:extLst>
         </p:spPr>
@@ -5504,7 +5571,7 @@
           <a:effectLst/>
           <a:extLst>
             <a:ext uri="{C572A759-6A51-4108-AA02-DFA0A04FC94B}">
-              <ma14:wrappingTextBoxFlag xmlns="" xmlns:m="http://schemas.openxmlformats.org/officeDocument/2006/math" xmlns:a14="http://schemas.microsoft.com/office/drawing/2010/main" xmlns:ma14="http://schemas.microsoft.com/office/mac/drawingml/2011/main" val="1"/>
+              <ma14:wrappingTextBoxFlag xmlns:ma14="http://schemas.microsoft.com/office/mac/drawingml/2011/main" xmlns:a14="http://schemas.microsoft.com/office/drawing/2010/main" xmlns:m="http://schemas.openxmlformats.org/officeDocument/2006/math" xmlns="" val="1"/>
             </a:ext>
           </a:extLst>
         </p:spPr>
@@ -5616,7 +5683,7 @@
           <a:effectLst/>
           <a:extLst>
             <a:ext uri="{C572A759-6A51-4108-AA02-DFA0A04FC94B}">
-              <ma14:wrappingTextBoxFlag xmlns="" xmlns:m="http://schemas.openxmlformats.org/officeDocument/2006/math" xmlns:a14="http://schemas.microsoft.com/office/drawing/2010/main" xmlns:ma14="http://schemas.microsoft.com/office/mac/drawingml/2011/main" val="1"/>
+              <ma14:wrappingTextBoxFlag xmlns:ma14="http://schemas.microsoft.com/office/mac/drawingml/2011/main" xmlns:a14="http://schemas.microsoft.com/office/drawing/2010/main" xmlns:m="http://schemas.openxmlformats.org/officeDocument/2006/math" xmlns="" val="1"/>
             </a:ext>
           </a:extLst>
         </p:spPr>
@@ -5718,7 +5785,7 @@
           <a:effectLst/>
           <a:extLst>
             <a:ext uri="{C572A759-6A51-4108-AA02-DFA0A04FC94B}">
-              <ma14:wrappingTextBoxFlag xmlns="" xmlns:m="http://schemas.openxmlformats.org/officeDocument/2006/math" xmlns:a14="http://schemas.microsoft.com/office/drawing/2010/main" xmlns:ma14="http://schemas.microsoft.com/office/mac/drawingml/2011/main" val="1"/>
+              <ma14:wrappingTextBoxFlag xmlns:ma14="http://schemas.microsoft.com/office/mac/drawingml/2011/main" xmlns:a14="http://schemas.microsoft.com/office/drawing/2010/main" xmlns:m="http://schemas.openxmlformats.org/officeDocument/2006/math" xmlns="" val="1"/>
             </a:ext>
           </a:extLst>
         </p:spPr>
@@ -5819,7 +5886,7 @@
           <a:effectLst/>
           <a:extLst>
             <a:ext uri="{C572A759-6A51-4108-AA02-DFA0A04FC94B}">
-              <ma14:wrappingTextBoxFlag xmlns="" xmlns:m="http://schemas.openxmlformats.org/officeDocument/2006/math" xmlns:a14="http://schemas.microsoft.com/office/drawing/2010/main" xmlns:ma14="http://schemas.microsoft.com/office/mac/drawingml/2011/main" val="1"/>
+              <ma14:wrappingTextBoxFlag xmlns:ma14="http://schemas.microsoft.com/office/mac/drawingml/2011/main" xmlns:a14="http://schemas.microsoft.com/office/drawing/2010/main" xmlns:m="http://schemas.openxmlformats.org/officeDocument/2006/math" xmlns="" val="1"/>
             </a:ext>
           </a:extLst>
         </p:spPr>
@@ -5931,7 +5998,7 @@
           <a:effectLst/>
           <a:extLst>
             <a:ext uri="{C572A759-6A51-4108-AA02-DFA0A04FC94B}">
-              <ma14:wrappingTextBoxFlag xmlns="" xmlns:m="http://schemas.openxmlformats.org/officeDocument/2006/math" xmlns:a14="http://schemas.microsoft.com/office/drawing/2010/main" xmlns:ma14="http://schemas.microsoft.com/office/mac/drawingml/2011/main" val="1"/>
+              <ma14:wrappingTextBoxFlag xmlns:ma14="http://schemas.microsoft.com/office/mac/drawingml/2011/main" xmlns:a14="http://schemas.microsoft.com/office/drawing/2010/main" xmlns:m="http://schemas.openxmlformats.org/officeDocument/2006/math" xmlns="" val="1"/>
             </a:ext>
           </a:extLst>
         </p:spPr>
@@ -6044,7 +6111,7 @@
           <a:effectLst/>
           <a:extLst>
             <a:ext uri="{C572A759-6A51-4108-AA02-DFA0A04FC94B}">
-              <ma14:wrappingTextBoxFlag xmlns="" xmlns:m="http://schemas.openxmlformats.org/officeDocument/2006/math" xmlns:a14="http://schemas.microsoft.com/office/drawing/2010/main" xmlns:ma14="http://schemas.microsoft.com/office/mac/drawingml/2011/main" val="1"/>
+              <ma14:wrappingTextBoxFlag xmlns:ma14="http://schemas.microsoft.com/office/mac/drawingml/2011/main" xmlns:a14="http://schemas.microsoft.com/office/drawing/2010/main" xmlns:m="http://schemas.openxmlformats.org/officeDocument/2006/math" xmlns="" val="1"/>
             </a:ext>
           </a:extLst>
         </p:spPr>
@@ -6146,7 +6213,7 @@
           <a:effectLst/>
           <a:extLst>
             <a:ext uri="{C572A759-6A51-4108-AA02-DFA0A04FC94B}">
-              <ma14:wrappingTextBoxFlag xmlns="" xmlns:m="http://schemas.openxmlformats.org/officeDocument/2006/math" xmlns:a14="http://schemas.microsoft.com/office/drawing/2010/main" xmlns:ma14="http://schemas.microsoft.com/office/mac/drawingml/2011/main" val="1"/>
+              <ma14:wrappingTextBoxFlag xmlns:ma14="http://schemas.microsoft.com/office/mac/drawingml/2011/main" xmlns:a14="http://schemas.microsoft.com/office/drawing/2010/main" xmlns:m="http://schemas.openxmlformats.org/officeDocument/2006/math" xmlns="" val="1"/>
             </a:ext>
           </a:extLst>
         </p:spPr>
@@ -6267,7 +6334,7 @@
             <a:effectLst/>
             <a:extLst>
               <a:ext uri="{C572A759-6A51-4108-AA02-DFA0A04FC94B}">
-                <ma14:wrappingTextBoxFlag xmlns="" xmlns:m="http://schemas.openxmlformats.org/officeDocument/2006/math" xmlns:a14="http://schemas.microsoft.com/office/drawing/2010/main" xmlns:ma14="http://schemas.microsoft.com/office/mac/drawingml/2011/main" val="1"/>
+                <ma14:wrappingTextBoxFlag xmlns:ma14="http://schemas.microsoft.com/office/mac/drawingml/2011/main" xmlns:a14="http://schemas.microsoft.com/office/drawing/2010/main" xmlns:m="http://schemas.openxmlformats.org/officeDocument/2006/math" xmlns="" val="1"/>
               </a:ext>
             </a:extLst>
           </p:spPr>
@@ -6330,7 +6397,7 @@
             <a:effectLst/>
             <a:extLst>
               <a:ext uri="{C572A759-6A51-4108-AA02-DFA0A04FC94B}">
-                <ma14:wrappingTextBoxFlag xmlns="" xmlns:m="http://schemas.openxmlformats.org/officeDocument/2006/math" xmlns:a14="http://schemas.microsoft.com/office/drawing/2010/main" xmlns:ma14="http://schemas.microsoft.com/office/mac/drawingml/2011/main" val="1"/>
+                <ma14:wrappingTextBoxFlag xmlns:ma14="http://schemas.microsoft.com/office/mac/drawingml/2011/main" xmlns:a14="http://schemas.microsoft.com/office/drawing/2010/main" xmlns:m="http://schemas.openxmlformats.org/officeDocument/2006/math" xmlns="" val="1"/>
               </a:ext>
             </a:extLst>
           </p:spPr>
@@ -6443,7 +6510,7 @@
           <a:effectLst/>
           <a:extLst>
             <a:ext uri="{C572A759-6A51-4108-AA02-DFA0A04FC94B}">
-              <ma14:wrappingTextBoxFlag xmlns="" xmlns:m="http://schemas.openxmlformats.org/officeDocument/2006/math" xmlns:a14="http://schemas.microsoft.com/office/drawing/2010/main" xmlns:ma14="http://schemas.microsoft.com/office/mac/drawingml/2011/main" val="1"/>
+              <ma14:wrappingTextBoxFlag xmlns:ma14="http://schemas.microsoft.com/office/mac/drawingml/2011/main" xmlns:a14="http://schemas.microsoft.com/office/drawing/2010/main" xmlns:m="http://schemas.openxmlformats.org/officeDocument/2006/math" xmlns="" val="1"/>
             </a:ext>
           </a:extLst>
         </p:spPr>
@@ -6556,7 +6623,7 @@
           <a:effectLst/>
           <a:extLst>
             <a:ext uri="{C572A759-6A51-4108-AA02-DFA0A04FC94B}">
-              <ma14:wrappingTextBoxFlag xmlns="" xmlns:m="http://schemas.openxmlformats.org/officeDocument/2006/math" xmlns:a14="http://schemas.microsoft.com/office/drawing/2010/main" xmlns:ma14="http://schemas.microsoft.com/office/mac/drawingml/2011/main" val="1"/>
+              <ma14:wrappingTextBoxFlag xmlns:ma14="http://schemas.microsoft.com/office/mac/drawingml/2011/main" xmlns:a14="http://schemas.microsoft.com/office/drawing/2010/main" xmlns:m="http://schemas.openxmlformats.org/officeDocument/2006/math" xmlns="" val="1"/>
             </a:ext>
           </a:extLst>
         </p:spPr>
@@ -6658,7 +6725,7 @@
           <a:effectLst/>
           <a:extLst>
             <a:ext uri="{C572A759-6A51-4108-AA02-DFA0A04FC94B}">
-              <ma14:wrappingTextBoxFlag xmlns="" xmlns:m="http://schemas.openxmlformats.org/officeDocument/2006/math" xmlns:a14="http://schemas.microsoft.com/office/drawing/2010/main" xmlns:ma14="http://schemas.microsoft.com/office/mac/drawingml/2011/main" val="1"/>
+              <ma14:wrappingTextBoxFlag xmlns:ma14="http://schemas.microsoft.com/office/mac/drawingml/2011/main" xmlns:a14="http://schemas.microsoft.com/office/drawing/2010/main" xmlns:m="http://schemas.openxmlformats.org/officeDocument/2006/math" xmlns="" val="1"/>
             </a:ext>
           </a:extLst>
         </p:spPr>
@@ -6779,7 +6846,7 @@
             <a:effectLst/>
             <a:extLst>
               <a:ext uri="{C572A759-6A51-4108-AA02-DFA0A04FC94B}">
-                <ma14:wrappingTextBoxFlag xmlns="" xmlns:m="http://schemas.openxmlformats.org/officeDocument/2006/math" xmlns:a14="http://schemas.microsoft.com/office/drawing/2010/main" xmlns:ma14="http://schemas.microsoft.com/office/mac/drawingml/2011/main" val="1"/>
+                <ma14:wrappingTextBoxFlag xmlns:ma14="http://schemas.microsoft.com/office/mac/drawingml/2011/main" xmlns:a14="http://schemas.microsoft.com/office/drawing/2010/main" xmlns:m="http://schemas.openxmlformats.org/officeDocument/2006/math" xmlns="" val="1"/>
               </a:ext>
             </a:extLst>
           </p:spPr>
@@ -6842,7 +6909,7 @@
             <a:effectLst/>
             <a:extLst>
               <a:ext uri="{C572A759-6A51-4108-AA02-DFA0A04FC94B}">
-                <ma14:wrappingTextBoxFlag xmlns="" xmlns:m="http://schemas.openxmlformats.org/officeDocument/2006/math" xmlns:a14="http://schemas.microsoft.com/office/drawing/2010/main" xmlns:ma14="http://schemas.microsoft.com/office/mac/drawingml/2011/main" val="1"/>
+                <ma14:wrappingTextBoxFlag xmlns:ma14="http://schemas.microsoft.com/office/mac/drawingml/2011/main" xmlns:a14="http://schemas.microsoft.com/office/drawing/2010/main" xmlns:m="http://schemas.openxmlformats.org/officeDocument/2006/math" xmlns="" val="1"/>
               </a:ext>
             </a:extLst>
           </p:spPr>
@@ -6991,7 +7058,7 @@
           <a:effectLst/>
           <a:extLst>
             <a:ext uri="{C572A759-6A51-4108-AA02-DFA0A04FC94B}">
-              <ma14:wrappingTextBoxFlag xmlns="" xmlns:m="http://schemas.openxmlformats.org/officeDocument/2006/math" xmlns:a14="http://schemas.microsoft.com/office/drawing/2010/main" xmlns:ma14="http://schemas.microsoft.com/office/mac/drawingml/2011/main" val="1"/>
+              <ma14:wrappingTextBoxFlag xmlns:ma14="http://schemas.microsoft.com/office/mac/drawingml/2011/main" xmlns:a14="http://schemas.microsoft.com/office/drawing/2010/main" xmlns:m="http://schemas.openxmlformats.org/officeDocument/2006/math" xmlns="" val="1"/>
             </a:ext>
           </a:extLst>
         </p:spPr>
@@ -7139,7 +7206,7 @@
           </a:ln>
           <a:extLst>
             <a:ext uri="{C572A759-6A51-4108-AA02-DFA0A04FC94B}">
-              <ma14:wrappingTextBoxFlag xmlns="" xmlns:m="http://schemas.openxmlformats.org/officeDocument/2006/math" xmlns:a14="http://schemas.microsoft.com/office/drawing/2010/main" xmlns:ma14="http://schemas.microsoft.com/office/mac/drawingml/2011/main" val="1"/>
+              <ma14:wrappingTextBoxFlag xmlns:ma14="http://schemas.microsoft.com/office/mac/drawingml/2011/main" xmlns:a14="http://schemas.microsoft.com/office/drawing/2010/main" xmlns:m="http://schemas.openxmlformats.org/officeDocument/2006/math" xmlns="" val="1"/>
             </a:ext>
           </a:extLst>
         </p:spPr>
@@ -7417,7 +7484,7 @@
             <a:effectLst/>
             <a:extLst>
               <a:ext uri="{C572A759-6A51-4108-AA02-DFA0A04FC94B}">
-                <ma14:wrappingTextBoxFlag xmlns:ma14="http://schemas.microsoft.com/office/mac/drawingml/2011/main" xmlns:a14="http://schemas.microsoft.com/office/drawing/2010/main" xmlns:m="http://schemas.openxmlformats.org/officeDocument/2006/math" xmlns="" val="1"/>
+                <ma14:wrappingTextBoxFlag xmlns="" xmlns:m="http://schemas.openxmlformats.org/officeDocument/2006/math" xmlns:a14="http://schemas.microsoft.com/office/drawing/2010/main" xmlns:ma14="http://schemas.microsoft.com/office/mac/drawingml/2011/main" val="1"/>
               </a:ext>
             </a:extLst>
           </p:spPr>
@@ -7467,7 +7534,7 @@
             <a:effectLst/>
             <a:extLst>
               <a:ext uri="{C572A759-6A51-4108-AA02-DFA0A04FC94B}">
-                <ma14:wrappingTextBoxFlag xmlns:ma14="http://schemas.microsoft.com/office/mac/drawingml/2011/main" xmlns:a14="http://schemas.microsoft.com/office/drawing/2010/main" xmlns:m="http://schemas.openxmlformats.org/officeDocument/2006/math" xmlns="" val="1"/>
+                <ma14:wrappingTextBoxFlag xmlns="" xmlns:m="http://schemas.openxmlformats.org/officeDocument/2006/math" xmlns:a14="http://schemas.microsoft.com/office/drawing/2010/main" xmlns:ma14="http://schemas.microsoft.com/office/mac/drawingml/2011/main" val="1"/>
               </a:ext>
             </a:extLst>
           </p:spPr>
@@ -7517,7 +7584,7 @@
             <a:effectLst/>
             <a:extLst>
               <a:ext uri="{C572A759-6A51-4108-AA02-DFA0A04FC94B}">
-                <ma14:wrappingTextBoxFlag xmlns:ma14="http://schemas.microsoft.com/office/mac/drawingml/2011/main" xmlns:a14="http://schemas.microsoft.com/office/drawing/2010/main" xmlns:m="http://schemas.openxmlformats.org/officeDocument/2006/math" xmlns="" val="1"/>
+                <ma14:wrappingTextBoxFlag xmlns="" xmlns:m="http://schemas.openxmlformats.org/officeDocument/2006/math" xmlns:a14="http://schemas.microsoft.com/office/drawing/2010/main" xmlns:ma14="http://schemas.microsoft.com/office/mac/drawingml/2011/main" val="1"/>
               </a:ext>
             </a:extLst>
           </p:spPr>
@@ -7567,7 +7634,7 @@
             <a:effectLst/>
             <a:extLst>
               <a:ext uri="{C572A759-6A51-4108-AA02-DFA0A04FC94B}">
-                <ma14:wrappingTextBoxFlag xmlns:ma14="http://schemas.microsoft.com/office/mac/drawingml/2011/main" xmlns:a14="http://schemas.microsoft.com/office/drawing/2010/main" xmlns:m="http://schemas.openxmlformats.org/officeDocument/2006/math" xmlns="" val="1"/>
+                <ma14:wrappingTextBoxFlag xmlns="" xmlns:m="http://schemas.openxmlformats.org/officeDocument/2006/math" xmlns:a14="http://schemas.microsoft.com/office/drawing/2010/main" xmlns:ma14="http://schemas.microsoft.com/office/mac/drawingml/2011/main" val="1"/>
               </a:ext>
             </a:extLst>
           </p:spPr>
